--- a/COM6023_Viva.pptx
+++ b/COM6023_Viva.pptx
@@ -3109,7 +3109,7 @@
             <a:pPr rtl="0"/>
             <a:fld id="{3ADBC529-8773-4D02-8CFA-ADB515C5CBA3}" type="datetime1">
               <a:rPr lang="en-GB" smtClean="0"/>
-              <a:t>27/04/2025</a:t>
+              <a:t>28/04/2025</a:t>
             </a:fld>
             <a:endParaRPr lang="en-GB"/>
           </a:p>
@@ -3291,7 +3291,7 @@
             <a:pPr rtl="0"/>
             <a:fld id="{4777525A-FAFB-4452-AC36-0F7189B7A6A9}" type="datetime1">
               <a:rPr lang="en-GB" noProof="0" smtClean="0"/>
-              <a:t>27/04/2025</a:t>
+              <a:t>28/04/2025</a:t>
             </a:fld>
             <a:endParaRPr lang="en-GB" noProof="0"/>
           </a:p>
@@ -3606,8 +3606,32 @@
           <a:bodyPr rtlCol="0"/>
           <a:lstStyle/>
           <a:p>
+            <a:pPr marL="0" marR="0" lvl="0" indent="0" algn="l" defTabSz="914400" rtl="0" eaLnBrk="1" fontAlgn="auto" latinLnBrk="0" hangingPunct="1">
+              <a:lnSpc>
+                <a:spcPct val="100000"/>
+              </a:lnSpc>
+              <a:spcBef>
+                <a:spcPts val="0"/>
+              </a:spcBef>
+              <a:spcAft>
+                <a:spcPts val="0"/>
+              </a:spcAft>
+              <a:buClrTx/>
+              <a:buSzTx/>
+              <a:buFontTx/>
+              <a:buNone/>
+              <a:tabLst/>
+              <a:defRPr/>
+            </a:pPr>
+            <a:r>
+              <a:rPr lang="en-US" dirty="0"/>
+              <a:t>Hi, my name is Muhammad. For my final year project, I built a mental health app to help users track their moods, recognize emotional trends, and journal reflections.</a:t>
+            </a:r>
+            <a:endParaRPr lang="en-GB" dirty="0"/>
+          </a:p>
+          <a:p>
             <a:pPr rtl="0"/>
-            <a:endParaRPr lang="en-GB"/>
+            <a:endParaRPr lang="en-GB" dirty="0"/>
           </a:p>
         </p:txBody>
       </p:sp>
@@ -3639,6 +3663,189 @@
     <p:extLst>
       <p:ext uri="{BB962C8B-B14F-4D97-AF65-F5344CB8AC3E}">
         <p14:creationId xmlns:p14="http://schemas.microsoft.com/office/powerpoint/2010/main" val="1390047011"/>
+      </p:ext>
+    </p:extLst>
+  </p:cSld>
+  <p:clrMapOvr>
+    <a:masterClrMapping/>
+  </p:clrMapOvr>
+</p:notes>
+</file>
+
+<file path=ppt/notesSlides/notesSlide10.xml><?xml version="1.0" encoding="utf-8"?>
+<p:notes xmlns:a="http://schemas.openxmlformats.org/drawingml/2006/main" xmlns:r="http://schemas.openxmlformats.org/officeDocument/2006/relationships" xmlns:p="http://schemas.openxmlformats.org/presentationml/2006/main">
+  <p:cSld>
+    <p:spTree>
+      <p:nvGrpSpPr>
+        <p:cNvPr id="1" name=""/>
+        <p:cNvGrpSpPr/>
+        <p:nvPr/>
+      </p:nvGrpSpPr>
+      <p:grpSpPr>
+        <a:xfrm>
+          <a:off x="0" y="0"/>
+          <a:ext cx="0" cy="0"/>
+          <a:chOff x="0" y="0"/>
+          <a:chExt cx="0" cy="0"/>
+        </a:xfrm>
+      </p:grpSpPr>
+      <p:sp>
+        <p:nvSpPr>
+          <p:cNvPr id="2" name="Slide Image Placeholder 1"/>
+          <p:cNvSpPr>
+            <a:spLocks noGrp="1" noRot="1" noChangeAspect="1"/>
+          </p:cNvSpPr>
+          <p:nvPr>
+            <p:ph type="sldImg"/>
+          </p:nvPr>
+        </p:nvSpPr>
+        <p:spPr/>
+      </p:sp>
+      <p:sp>
+        <p:nvSpPr>
+          <p:cNvPr id="3" name="Notes Placeholder 2"/>
+          <p:cNvSpPr>
+            <a:spLocks noGrp="1"/>
+          </p:cNvSpPr>
+          <p:nvPr>
+            <p:ph type="body" idx="1"/>
+          </p:nvPr>
+        </p:nvSpPr>
+        <p:spPr/>
+        <p:txBody>
+          <a:bodyPr/>
+          <a:lstStyle/>
+          <a:p>
+            <a:r>
+              <a:rPr lang="en-US" dirty="0"/>
+              <a:t>This project improved my Android development skills, my understanding of user-centered design, and my ability to apply feedback and simplify complex features.</a:t>
+            </a:r>
+            <a:endParaRPr lang="en-GB" dirty="0"/>
+          </a:p>
+        </p:txBody>
+      </p:sp>
+      <p:sp>
+        <p:nvSpPr>
+          <p:cNvPr id="4" name="Slide Number Placeholder 3"/>
+          <p:cNvSpPr>
+            <a:spLocks noGrp="1"/>
+          </p:cNvSpPr>
+          <p:nvPr>
+            <p:ph type="sldNum" sz="quarter" idx="5"/>
+          </p:nvPr>
+        </p:nvSpPr>
+        <p:spPr/>
+        <p:txBody>
+          <a:bodyPr/>
+          <a:lstStyle/>
+          <a:p>
+            <a:pPr rtl="0"/>
+            <a:fld id="{C6B3AB32-59DF-41F1-9618-EDFBF5049629}" type="slidenum">
+              <a:rPr lang="en-GB" noProof="0" smtClean="0"/>
+              <a:t>10</a:t>
+            </a:fld>
+            <a:endParaRPr lang="en-GB" noProof="0"/>
+          </a:p>
+        </p:txBody>
+      </p:sp>
+    </p:spTree>
+    <p:extLst>
+      <p:ext uri="{BB962C8B-B14F-4D97-AF65-F5344CB8AC3E}">
+        <p14:creationId xmlns:p14="http://schemas.microsoft.com/office/powerpoint/2010/main" val="2392955691"/>
+      </p:ext>
+    </p:extLst>
+  </p:cSld>
+  <p:clrMapOvr>
+    <a:masterClrMapping/>
+  </p:clrMapOvr>
+</p:notes>
+</file>
+
+<file path=ppt/notesSlides/notesSlide11.xml><?xml version="1.0" encoding="utf-8"?>
+<p:notes xmlns:a="http://schemas.openxmlformats.org/drawingml/2006/main" xmlns:r="http://schemas.openxmlformats.org/officeDocument/2006/relationships" xmlns:p="http://schemas.openxmlformats.org/presentationml/2006/main">
+  <p:cSld>
+    <p:spTree>
+      <p:nvGrpSpPr>
+        <p:cNvPr id="1" name=""/>
+        <p:cNvGrpSpPr/>
+        <p:nvPr/>
+      </p:nvGrpSpPr>
+      <p:grpSpPr>
+        <a:xfrm>
+          <a:off x="0" y="0"/>
+          <a:ext cx="0" cy="0"/>
+          <a:chOff x="0" y="0"/>
+          <a:chExt cx="0" cy="0"/>
+        </a:xfrm>
+      </p:grpSpPr>
+      <p:sp>
+        <p:nvSpPr>
+          <p:cNvPr id="2" name="Slide Image Placeholder 1"/>
+          <p:cNvSpPr>
+            <a:spLocks noGrp="1" noRot="1" noChangeAspect="1"/>
+          </p:cNvSpPr>
+          <p:nvPr>
+            <p:ph type="sldImg"/>
+          </p:nvPr>
+        </p:nvSpPr>
+        <p:spPr/>
+      </p:sp>
+      <p:sp>
+        <p:nvSpPr>
+          <p:cNvPr id="3" name="Notes Placeholder 2"/>
+          <p:cNvSpPr>
+            <a:spLocks noGrp="1"/>
+          </p:cNvSpPr>
+          <p:nvPr>
+            <p:ph type="body" idx="1"/>
+          </p:nvPr>
+        </p:nvSpPr>
+        <p:spPr/>
+        <p:txBody>
+          <a:bodyPr rtlCol="0"/>
+          <a:lstStyle/>
+          <a:p>
+            <a:pPr rtl="0"/>
+            <a:r>
+              <a:rPr lang="en-US" dirty="0"/>
+              <a:t>Thank you for listening to my presentation. </a:t>
+            </a:r>
+            <a:r>
+              <a:rPr lang="en-US"/>
+              <a:t>I’m happy to take any questions you may have.</a:t>
+            </a:r>
+            <a:endParaRPr lang="en-GB" dirty="0"/>
+          </a:p>
+        </p:txBody>
+      </p:sp>
+      <p:sp>
+        <p:nvSpPr>
+          <p:cNvPr id="4" name="Slide Number Placeholder 3"/>
+          <p:cNvSpPr>
+            <a:spLocks noGrp="1"/>
+          </p:cNvSpPr>
+          <p:nvPr>
+            <p:ph type="sldNum" sz="quarter" idx="5"/>
+          </p:nvPr>
+        </p:nvSpPr>
+        <p:spPr/>
+        <p:txBody>
+          <a:bodyPr rtlCol="0"/>
+          <a:lstStyle/>
+          <a:p>
+            <a:pPr rtl="0"/>
+            <a:fld id="{C6B3AB32-59DF-41F1-9618-EDFBF5049629}" type="slidenum">
+              <a:rPr lang="en-GB" smtClean="0"/>
+              <a:t>11</a:t>
+            </a:fld>
+            <a:endParaRPr lang="en-GB"/>
+          </a:p>
+        </p:txBody>
+      </p:sp>
+    </p:spTree>
+    <p:extLst>
+      <p:ext uri="{BB962C8B-B14F-4D97-AF65-F5344CB8AC3E}">
+        <p14:creationId xmlns:p14="http://schemas.microsoft.com/office/powerpoint/2010/main" val="1046714131"/>
       </p:ext>
     </p:extLst>
   </p:cSld>
@@ -3693,7 +3900,11 @@
           <a:lstStyle/>
           <a:p>
             <a:pPr rtl="0"/>
-            <a:endParaRPr lang="en-GB"/>
+            <a:r>
+              <a:rPr lang="en-US" dirty="0"/>
+              <a:t>Mental health impacts everyone and naturally fluctuates. This app aims to help users become more aware of their moods and offer gentle support through trends and mindfulness</a:t>
+            </a:r>
+            <a:endParaRPr lang="en-GB" dirty="0"/>
           </a:p>
         </p:txBody>
       </p:sp>
@@ -3778,7 +3989,19 @@
           <a:bodyPr/>
           <a:lstStyle/>
           <a:p>
-            <a:endParaRPr lang="en-GB"/>
+            <a:r>
+              <a:rPr lang="en-US" dirty="0"/>
+              <a:t>I designed the app first using Figma. Then built it with Android Studio. Firebase was used for authentication and storage, </a:t>
+            </a:r>
+            <a:r>
+              <a:rPr lang="en-US" dirty="0" err="1"/>
+              <a:t>MPAndroidChart</a:t>
+            </a:r>
+            <a:r>
+              <a:rPr lang="en-US" dirty="0"/>
+              <a:t> for data visualization, and JUnit/Espresso for testing.</a:t>
+            </a:r>
+            <a:endParaRPr lang="en-GB" dirty="0"/>
           </a:p>
         </p:txBody>
       </p:sp>
@@ -3860,11 +4083,14 @@
         </p:nvSpPr>
         <p:spPr/>
         <p:txBody>
-          <a:bodyPr rtlCol="0"/>
+          <a:bodyPr/>
           <a:lstStyle/>
           <a:p>
-            <a:pPr rtl="0"/>
-            <a:endParaRPr lang="en-GB"/>
+            <a:r>
+              <a:rPr lang="en-US" dirty="0"/>
+              <a:t>First feature, On the Home screen, users can quickly log moods with emojis and activities. Affirmations also display here, which were very well received.</a:t>
+            </a:r>
+            <a:endParaRPr lang="en-GB" dirty="0"/>
           </a:p>
         </p:txBody>
       </p:sp>
@@ -3880,22 +4106,527 @@
         </p:nvSpPr>
         <p:spPr/>
         <p:txBody>
-          <a:bodyPr rtlCol="0"/>
+          <a:bodyPr/>
           <a:lstStyle/>
           <a:p>
             <a:pPr rtl="0"/>
             <a:fld id="{C6B3AB32-59DF-41F1-9618-EDFBF5049629}" type="slidenum">
-              <a:rPr lang="en-GB" smtClean="0"/>
-              <a:t>11</a:t>
+              <a:rPr lang="en-GB" noProof="0" smtClean="0"/>
+              <a:t>4</a:t>
             </a:fld>
-            <a:endParaRPr lang="en-GB"/>
+            <a:endParaRPr lang="en-GB" noProof="0"/>
           </a:p>
         </p:txBody>
       </p:sp>
     </p:spTree>
     <p:extLst>
       <p:ext uri="{BB962C8B-B14F-4D97-AF65-F5344CB8AC3E}">
-        <p14:creationId xmlns:p14="http://schemas.microsoft.com/office/powerpoint/2010/main" val="1046714131"/>
+        <p14:creationId xmlns:p14="http://schemas.microsoft.com/office/powerpoint/2010/main" val="3542129298"/>
+      </p:ext>
+    </p:extLst>
+  </p:cSld>
+  <p:clrMapOvr>
+    <a:masterClrMapping/>
+  </p:clrMapOvr>
+</p:notes>
+</file>
+
+<file path=ppt/notesSlides/notesSlide5.xml><?xml version="1.0" encoding="utf-8"?>
+<p:notes xmlns:a="http://schemas.openxmlformats.org/drawingml/2006/main" xmlns:r="http://schemas.openxmlformats.org/officeDocument/2006/relationships" xmlns:p="http://schemas.openxmlformats.org/presentationml/2006/main">
+  <p:cSld>
+    <p:spTree>
+      <p:nvGrpSpPr>
+        <p:cNvPr id="1" name=""/>
+        <p:cNvGrpSpPr/>
+        <p:nvPr/>
+      </p:nvGrpSpPr>
+      <p:grpSpPr>
+        <a:xfrm>
+          <a:off x="0" y="0"/>
+          <a:ext cx="0" cy="0"/>
+          <a:chOff x="0" y="0"/>
+          <a:chExt cx="0" cy="0"/>
+        </a:xfrm>
+      </p:grpSpPr>
+      <p:sp>
+        <p:nvSpPr>
+          <p:cNvPr id="2" name="Slide Image Placeholder 1"/>
+          <p:cNvSpPr>
+            <a:spLocks noGrp="1" noRot="1" noChangeAspect="1"/>
+          </p:cNvSpPr>
+          <p:nvPr>
+            <p:ph type="sldImg"/>
+          </p:nvPr>
+        </p:nvSpPr>
+        <p:spPr/>
+      </p:sp>
+      <p:sp>
+        <p:nvSpPr>
+          <p:cNvPr id="3" name="Notes Placeholder 2"/>
+          <p:cNvSpPr>
+            <a:spLocks noGrp="1"/>
+          </p:cNvSpPr>
+          <p:nvPr>
+            <p:ph type="body" idx="1"/>
+          </p:nvPr>
+        </p:nvSpPr>
+        <p:spPr/>
+        <p:txBody>
+          <a:bodyPr/>
+          <a:lstStyle/>
+          <a:p>
+            <a:r>
+              <a:rPr lang="en-US" dirty="0"/>
+              <a:t>The Trends page allows users to select time ranges and view how their mood has changed. </a:t>
+            </a:r>
+          </a:p>
+          <a:p>
+            <a:r>
+              <a:rPr lang="en-US" dirty="0"/>
+              <a:t>Linear regression analysis detects if moods are improving or declining.</a:t>
+            </a:r>
+          </a:p>
+          <a:p>
+            <a:r>
+              <a:rPr lang="en-US" dirty="0"/>
+              <a:t> Activity analysis shows which activities make users happiest.</a:t>
+            </a:r>
+            <a:endParaRPr lang="en-GB" dirty="0"/>
+          </a:p>
+        </p:txBody>
+      </p:sp>
+      <p:sp>
+        <p:nvSpPr>
+          <p:cNvPr id="4" name="Slide Number Placeholder 3"/>
+          <p:cNvSpPr>
+            <a:spLocks noGrp="1"/>
+          </p:cNvSpPr>
+          <p:nvPr>
+            <p:ph type="sldNum" sz="quarter" idx="5"/>
+          </p:nvPr>
+        </p:nvSpPr>
+        <p:spPr/>
+        <p:txBody>
+          <a:bodyPr/>
+          <a:lstStyle/>
+          <a:p>
+            <a:pPr rtl="0"/>
+            <a:fld id="{C6B3AB32-59DF-41F1-9618-EDFBF5049629}" type="slidenum">
+              <a:rPr lang="en-GB" noProof="0" smtClean="0"/>
+              <a:t>5</a:t>
+            </a:fld>
+            <a:endParaRPr lang="en-GB" noProof="0"/>
+          </a:p>
+        </p:txBody>
+      </p:sp>
+    </p:spTree>
+    <p:extLst>
+      <p:ext uri="{BB962C8B-B14F-4D97-AF65-F5344CB8AC3E}">
+        <p14:creationId xmlns:p14="http://schemas.microsoft.com/office/powerpoint/2010/main" val="3777649052"/>
+      </p:ext>
+    </p:extLst>
+  </p:cSld>
+  <p:clrMapOvr>
+    <a:masterClrMapping/>
+  </p:clrMapOvr>
+</p:notes>
+</file>
+
+<file path=ppt/notesSlides/notesSlide6.xml><?xml version="1.0" encoding="utf-8"?>
+<p:notes xmlns:a="http://schemas.openxmlformats.org/drawingml/2006/main" xmlns:r="http://schemas.openxmlformats.org/officeDocument/2006/relationships" xmlns:p="http://schemas.openxmlformats.org/presentationml/2006/main">
+  <p:cSld>
+    <p:spTree>
+      <p:nvGrpSpPr>
+        <p:cNvPr id="1" name=""/>
+        <p:cNvGrpSpPr/>
+        <p:nvPr/>
+      </p:nvGrpSpPr>
+      <p:grpSpPr>
+        <a:xfrm>
+          <a:off x="0" y="0"/>
+          <a:ext cx="0" cy="0"/>
+          <a:chOff x="0" y="0"/>
+          <a:chExt cx="0" cy="0"/>
+        </a:xfrm>
+      </p:grpSpPr>
+      <p:sp>
+        <p:nvSpPr>
+          <p:cNvPr id="2" name="Slide Image Placeholder 1"/>
+          <p:cNvSpPr>
+            <a:spLocks noGrp="1" noRot="1" noChangeAspect="1"/>
+          </p:cNvSpPr>
+          <p:nvPr>
+            <p:ph type="sldImg"/>
+          </p:nvPr>
+        </p:nvSpPr>
+        <p:spPr/>
+      </p:sp>
+      <p:sp>
+        <p:nvSpPr>
+          <p:cNvPr id="3" name="Notes Placeholder 2"/>
+          <p:cNvSpPr>
+            <a:spLocks noGrp="1"/>
+          </p:cNvSpPr>
+          <p:nvPr>
+            <p:ph type="body" idx="1"/>
+          </p:nvPr>
+        </p:nvSpPr>
+        <p:spPr/>
+        <p:txBody>
+          <a:bodyPr/>
+          <a:lstStyle/>
+          <a:p>
+            <a:r>
+              <a:rPr lang="en-US" dirty="0"/>
+              <a:t>If a user’s mood is too low, the app shows a popup to encourage using mindfulness exercises to support their wellbeing.</a:t>
+            </a:r>
+          </a:p>
+          <a:p>
+            <a:r>
+              <a:rPr lang="en-US" dirty="0"/>
+              <a:t>Encourage healthy quick habits</a:t>
+            </a:r>
+            <a:endParaRPr lang="en-GB" dirty="0"/>
+          </a:p>
+        </p:txBody>
+      </p:sp>
+      <p:sp>
+        <p:nvSpPr>
+          <p:cNvPr id="4" name="Slide Number Placeholder 3"/>
+          <p:cNvSpPr>
+            <a:spLocks noGrp="1"/>
+          </p:cNvSpPr>
+          <p:nvPr>
+            <p:ph type="sldNum" sz="quarter" idx="5"/>
+          </p:nvPr>
+        </p:nvSpPr>
+        <p:spPr/>
+        <p:txBody>
+          <a:bodyPr/>
+          <a:lstStyle/>
+          <a:p>
+            <a:pPr rtl="0"/>
+            <a:fld id="{C6B3AB32-59DF-41F1-9618-EDFBF5049629}" type="slidenum">
+              <a:rPr lang="en-GB" noProof="0" smtClean="0"/>
+              <a:t>6</a:t>
+            </a:fld>
+            <a:endParaRPr lang="en-GB" noProof="0"/>
+          </a:p>
+        </p:txBody>
+      </p:sp>
+    </p:spTree>
+    <p:extLst>
+      <p:ext uri="{BB962C8B-B14F-4D97-AF65-F5344CB8AC3E}">
+        <p14:creationId xmlns:p14="http://schemas.microsoft.com/office/powerpoint/2010/main" val="1868578786"/>
+      </p:ext>
+    </p:extLst>
+  </p:cSld>
+  <p:clrMapOvr>
+    <a:masterClrMapping/>
+  </p:clrMapOvr>
+</p:notes>
+</file>
+
+<file path=ppt/notesSlides/notesSlide7.xml><?xml version="1.0" encoding="utf-8"?>
+<p:notes xmlns:a="http://schemas.openxmlformats.org/drawingml/2006/main" xmlns:r="http://schemas.openxmlformats.org/officeDocument/2006/relationships" xmlns:p="http://schemas.openxmlformats.org/presentationml/2006/main">
+  <p:cSld>
+    <p:spTree>
+      <p:nvGrpSpPr>
+        <p:cNvPr id="1" name=""/>
+        <p:cNvGrpSpPr/>
+        <p:nvPr/>
+      </p:nvGrpSpPr>
+      <p:grpSpPr>
+        <a:xfrm>
+          <a:off x="0" y="0"/>
+          <a:ext cx="0" cy="0"/>
+          <a:chOff x="0" y="0"/>
+          <a:chExt cx="0" cy="0"/>
+        </a:xfrm>
+      </p:grpSpPr>
+      <p:sp>
+        <p:nvSpPr>
+          <p:cNvPr id="2" name="Slide Image Placeholder 1"/>
+          <p:cNvSpPr>
+            <a:spLocks noGrp="1" noRot="1" noChangeAspect="1"/>
+          </p:cNvSpPr>
+          <p:nvPr>
+            <p:ph type="sldImg"/>
+          </p:nvPr>
+        </p:nvSpPr>
+        <p:spPr/>
+      </p:sp>
+      <p:sp>
+        <p:nvSpPr>
+          <p:cNvPr id="3" name="Notes Placeholder 2"/>
+          <p:cNvSpPr>
+            <a:spLocks noGrp="1"/>
+          </p:cNvSpPr>
+          <p:nvPr>
+            <p:ph type="body" idx="1"/>
+          </p:nvPr>
+        </p:nvSpPr>
+        <p:spPr/>
+        <p:txBody>
+          <a:bodyPr/>
+          <a:lstStyle/>
+          <a:p>
+            <a:r>
+              <a:rPr lang="en-US" dirty="0"/>
+              <a:t>Users can change their name or password, download or delete their data, and set how often they want reminder notifications.</a:t>
+            </a:r>
+            <a:endParaRPr lang="en-GB" dirty="0"/>
+          </a:p>
+        </p:txBody>
+      </p:sp>
+      <p:sp>
+        <p:nvSpPr>
+          <p:cNvPr id="4" name="Slide Number Placeholder 3"/>
+          <p:cNvSpPr>
+            <a:spLocks noGrp="1"/>
+          </p:cNvSpPr>
+          <p:nvPr>
+            <p:ph type="sldNum" sz="quarter" idx="5"/>
+          </p:nvPr>
+        </p:nvSpPr>
+        <p:spPr/>
+        <p:txBody>
+          <a:bodyPr/>
+          <a:lstStyle/>
+          <a:p>
+            <a:pPr rtl="0"/>
+            <a:fld id="{C6B3AB32-59DF-41F1-9618-EDFBF5049629}" type="slidenum">
+              <a:rPr lang="en-GB" noProof="0" smtClean="0"/>
+              <a:t>7</a:t>
+            </a:fld>
+            <a:endParaRPr lang="en-GB" noProof="0"/>
+          </a:p>
+        </p:txBody>
+      </p:sp>
+    </p:spTree>
+    <p:extLst>
+      <p:ext uri="{BB962C8B-B14F-4D97-AF65-F5344CB8AC3E}">
+        <p14:creationId xmlns:p14="http://schemas.microsoft.com/office/powerpoint/2010/main" val="1286021121"/>
+      </p:ext>
+    </p:extLst>
+  </p:cSld>
+  <p:clrMapOvr>
+    <a:masterClrMapping/>
+  </p:clrMapOvr>
+</p:notes>
+</file>
+
+<file path=ppt/notesSlides/notesSlide8.xml><?xml version="1.0" encoding="utf-8"?>
+<p:notes xmlns:a="http://schemas.openxmlformats.org/drawingml/2006/main" xmlns:r="http://schemas.openxmlformats.org/officeDocument/2006/relationships" xmlns:p="http://schemas.openxmlformats.org/presentationml/2006/main">
+  <p:cSld>
+    <p:spTree>
+      <p:nvGrpSpPr>
+        <p:cNvPr id="1" name=""/>
+        <p:cNvGrpSpPr/>
+        <p:nvPr/>
+      </p:nvGrpSpPr>
+      <p:grpSpPr>
+        <a:xfrm>
+          <a:off x="0" y="0"/>
+          <a:ext cx="0" cy="0"/>
+          <a:chOff x="0" y="0"/>
+          <a:chExt cx="0" cy="0"/>
+        </a:xfrm>
+      </p:grpSpPr>
+      <p:sp>
+        <p:nvSpPr>
+          <p:cNvPr id="2" name="Slide Image Placeholder 1"/>
+          <p:cNvSpPr>
+            <a:spLocks noGrp="1" noRot="1" noChangeAspect="1"/>
+          </p:cNvSpPr>
+          <p:nvPr>
+            <p:ph type="sldImg"/>
+          </p:nvPr>
+        </p:nvSpPr>
+        <p:spPr/>
+      </p:sp>
+      <p:sp>
+        <p:nvSpPr>
+          <p:cNvPr id="3" name="Notes Placeholder 2"/>
+          <p:cNvSpPr>
+            <a:spLocks noGrp="1"/>
+          </p:cNvSpPr>
+          <p:nvPr>
+            <p:ph type="body" idx="1"/>
+          </p:nvPr>
+        </p:nvSpPr>
+        <p:spPr/>
+        <p:txBody>
+          <a:bodyPr/>
+          <a:lstStyle/>
+          <a:p>
+            <a:r>
+              <a:rPr lang="en-US" dirty="0"/>
+              <a:t>Reminders are subtle and calming — they help build good habits without overwhelming the user.</a:t>
+            </a:r>
+            <a:endParaRPr lang="en-GB" dirty="0"/>
+          </a:p>
+        </p:txBody>
+      </p:sp>
+      <p:sp>
+        <p:nvSpPr>
+          <p:cNvPr id="4" name="Slide Number Placeholder 3"/>
+          <p:cNvSpPr>
+            <a:spLocks noGrp="1"/>
+          </p:cNvSpPr>
+          <p:nvPr>
+            <p:ph type="sldNum" sz="quarter" idx="5"/>
+          </p:nvPr>
+        </p:nvSpPr>
+        <p:spPr/>
+        <p:txBody>
+          <a:bodyPr/>
+          <a:lstStyle/>
+          <a:p>
+            <a:pPr rtl="0"/>
+            <a:fld id="{C6B3AB32-59DF-41F1-9618-EDFBF5049629}" type="slidenum">
+              <a:rPr lang="en-GB" noProof="0" smtClean="0"/>
+              <a:t>8</a:t>
+            </a:fld>
+            <a:endParaRPr lang="en-GB" noProof="0"/>
+          </a:p>
+        </p:txBody>
+      </p:sp>
+    </p:spTree>
+    <p:extLst>
+      <p:ext uri="{BB962C8B-B14F-4D97-AF65-F5344CB8AC3E}">
+        <p14:creationId xmlns:p14="http://schemas.microsoft.com/office/powerpoint/2010/main" val="896281088"/>
+      </p:ext>
+    </p:extLst>
+  </p:cSld>
+  <p:clrMapOvr>
+    <a:masterClrMapping/>
+  </p:clrMapOvr>
+</p:notes>
+</file>
+
+<file path=ppt/notesSlides/notesSlide9.xml><?xml version="1.0" encoding="utf-8"?>
+<p:notes xmlns:a="http://schemas.openxmlformats.org/drawingml/2006/main" xmlns:r="http://schemas.openxmlformats.org/officeDocument/2006/relationships" xmlns:p="http://schemas.openxmlformats.org/presentationml/2006/main">
+  <p:cSld>
+    <p:spTree>
+      <p:nvGrpSpPr>
+        <p:cNvPr id="1" name=""/>
+        <p:cNvGrpSpPr/>
+        <p:nvPr/>
+      </p:nvGrpSpPr>
+      <p:grpSpPr>
+        <a:xfrm>
+          <a:off x="0" y="0"/>
+          <a:ext cx="0" cy="0"/>
+          <a:chOff x="0" y="0"/>
+          <a:chExt cx="0" cy="0"/>
+        </a:xfrm>
+      </p:grpSpPr>
+      <p:sp>
+        <p:nvSpPr>
+          <p:cNvPr id="2" name="Slide Image Placeholder 1"/>
+          <p:cNvSpPr>
+            <a:spLocks noGrp="1" noRot="1" noChangeAspect="1"/>
+          </p:cNvSpPr>
+          <p:nvPr>
+            <p:ph type="sldImg"/>
+          </p:nvPr>
+        </p:nvSpPr>
+        <p:spPr/>
+      </p:sp>
+      <p:sp>
+        <p:nvSpPr>
+          <p:cNvPr id="3" name="Notes Placeholder 2"/>
+          <p:cNvSpPr>
+            <a:spLocks noGrp="1"/>
+          </p:cNvSpPr>
+          <p:nvPr>
+            <p:ph type="body" idx="1"/>
+          </p:nvPr>
+        </p:nvSpPr>
+        <p:spPr/>
+        <p:txBody>
+          <a:bodyPr/>
+          <a:lstStyle/>
+          <a:p>
+            <a:r>
+              <a:rPr lang="en-US" dirty="0"/>
+              <a:t>Originally, I planned AI features, but due to data and device limitations, I replaced them with conditional logic. </a:t>
+            </a:r>
+          </a:p>
+          <a:p>
+            <a:r>
+              <a:rPr lang="en-US" dirty="0"/>
+              <a:t>I also encountered an error with no real solution but ensured it didn’t affect app performance.</a:t>
+            </a:r>
+          </a:p>
+          <a:p>
+            <a:pPr marL="0" marR="0" lvl="0" indent="0" algn="l" defTabSz="914400" rtl="0" eaLnBrk="1" fontAlgn="auto" latinLnBrk="0" hangingPunct="1">
+              <a:lnSpc>
+                <a:spcPct val="100000"/>
+              </a:lnSpc>
+              <a:spcBef>
+                <a:spcPts val="0"/>
+              </a:spcBef>
+              <a:spcAft>
+                <a:spcPts val="0"/>
+              </a:spcAft>
+              <a:buClrTx/>
+              <a:buSzTx/>
+              <a:buFontTx/>
+              <a:buNone/>
+              <a:tabLst/>
+              <a:defRPr/>
+            </a:pPr>
+            <a:r>
+              <a:rPr lang="en-US" sz="1800" kern="100" dirty="0">
+                <a:effectLst/>
+                <a:latin typeface="Aptos" panose="020B0004020202020204" pitchFamily="34" charset="0"/>
+                <a:ea typeface="Aptos" panose="020B0004020202020204" pitchFamily="34" charset="0"/>
+                <a:cs typeface="Times New Roman" panose="02020603050405020304" pitchFamily="18" charset="0"/>
+              </a:rPr>
+              <a:t>https://issuetracker.google.com/issues/369219148?pli=1</a:t>
+            </a:r>
+            <a:endParaRPr lang="en-GB" sz="1800" kern="100" dirty="0">
+              <a:effectLst/>
+              <a:latin typeface="Aptos" panose="020B0004020202020204" pitchFamily="34" charset="0"/>
+              <a:ea typeface="Aptos" panose="020B0004020202020204" pitchFamily="34" charset="0"/>
+              <a:cs typeface="Times New Roman" panose="02020603050405020304" pitchFamily="18" charset="0"/>
+            </a:endParaRPr>
+          </a:p>
+          <a:p>
+            <a:endParaRPr lang="en-GB" dirty="0"/>
+          </a:p>
+        </p:txBody>
+      </p:sp>
+      <p:sp>
+        <p:nvSpPr>
+          <p:cNvPr id="4" name="Slide Number Placeholder 3"/>
+          <p:cNvSpPr>
+            <a:spLocks noGrp="1"/>
+          </p:cNvSpPr>
+          <p:nvPr>
+            <p:ph type="sldNum" sz="quarter" idx="5"/>
+          </p:nvPr>
+        </p:nvSpPr>
+        <p:spPr/>
+        <p:txBody>
+          <a:bodyPr/>
+          <a:lstStyle/>
+          <a:p>
+            <a:pPr rtl="0"/>
+            <a:fld id="{C6B3AB32-59DF-41F1-9618-EDFBF5049629}" type="slidenum">
+              <a:rPr lang="en-GB" noProof="0" smtClean="0"/>
+              <a:t>9</a:t>
+            </a:fld>
+            <a:endParaRPr lang="en-GB" noProof="0"/>
+          </a:p>
+        </p:txBody>
+      </p:sp>
+    </p:spTree>
+    <p:extLst>
+      <p:ext uri="{BB962C8B-B14F-4D97-AF65-F5344CB8AC3E}">
+        <p14:creationId xmlns:p14="http://schemas.microsoft.com/office/powerpoint/2010/main" val="3975086663"/>
       </p:ext>
     </p:extLst>
   </p:cSld>
@@ -4151,7 +4882,7 @@
             <a:pPr rtl="0"/>
             <a:fld id="{303A4E85-D1CF-4174-8E96-0E716FE67106}" type="datetime1">
               <a:rPr lang="en-GB" noProof="0" smtClean="0"/>
-              <a:t>27/04/2025</a:t>
+              <a:t>28/04/2025</a:t>
             </a:fld>
             <a:endParaRPr lang="en-GB" noProof="0"/>
           </a:p>
@@ -4416,7 +5147,7 @@
             <a:pPr rtl="0"/>
             <a:fld id="{6EBFDA4C-4741-4614-8CF1-6BBCA681C2EE}" type="datetime1">
               <a:rPr lang="en-GB" noProof="0" smtClean="0"/>
-              <a:t>27/04/2025</a:t>
+              <a:t>28/04/2025</a:t>
             </a:fld>
             <a:endParaRPr lang="en-GB" noProof="0"/>
           </a:p>
@@ -4654,7 +5385,7 @@
             <a:pPr rtl="0"/>
             <a:fld id="{0663A167-FB84-446A-9868-9338781AA304}" type="datetime1">
               <a:rPr lang="en-GB" noProof="0" smtClean="0"/>
-              <a:t>27/04/2025</a:t>
+              <a:t>28/04/2025</a:t>
             </a:fld>
             <a:endParaRPr lang="en-GB" noProof="0"/>
           </a:p>
@@ -4897,7 +5628,7 @@
             <a:pPr rtl="0"/>
             <a:fld id="{E3DCA11A-9768-448A-88A0-EBE3646E26CE}" type="datetime1">
               <a:rPr lang="en-GB" noProof="0" smtClean="0"/>
-              <a:t>27/04/2025</a:t>
+              <a:t>28/04/2025</a:t>
             </a:fld>
             <a:endParaRPr lang="en-GB" noProof="0"/>
           </a:p>
@@ -5208,7 +5939,7 @@
             <a:pPr rtl="0"/>
             <a:fld id="{1FEDAE78-A3F9-426C-8A41-9692E3443471}" type="datetime1">
               <a:rPr lang="en-GB" noProof="0" smtClean="0"/>
-              <a:t>27/04/2025</a:t>
+              <a:t>28/04/2025</a:t>
             </a:fld>
             <a:endParaRPr lang="en-GB" noProof="0"/>
           </a:p>
@@ -5512,7 +6243,7 @@
             <a:pPr rtl="0"/>
             <a:fld id="{E17F9CBD-9AAB-4D08-A1FC-12CB5054CF84}" type="datetime1">
               <a:rPr lang="en-GB" noProof="0" smtClean="0"/>
-              <a:t>27/04/2025</a:t>
+              <a:t>28/04/2025</a:t>
             </a:fld>
             <a:endParaRPr lang="en-GB" noProof="0"/>
           </a:p>
@@ -5936,7 +6667,7 @@
             <a:pPr rtl="0"/>
             <a:fld id="{A9E97160-1FA1-4003-9894-A2FDBE217EB3}" type="datetime1">
               <a:rPr lang="en-GB" noProof="0" smtClean="0"/>
-              <a:t>27/04/2025</a:t>
+              <a:t>28/04/2025</a:t>
             </a:fld>
             <a:endParaRPr lang="en-GB" noProof="0"/>
           </a:p>
@@ -6035,7 +6766,7 @@
             <a:pPr rtl="0"/>
             <a:fld id="{25F76C7B-B428-4E1D-8DC1-C83A59B39C9C}" type="datetime1">
               <a:rPr lang="en-GB" noProof="0" smtClean="0"/>
-              <a:t>27/04/2025</a:t>
+              <a:t>28/04/2025</a:t>
             </a:fld>
             <a:endParaRPr lang="en-GB" noProof="0"/>
           </a:p>
@@ -6201,7 +6932,7 @@
             <a:pPr rtl="0"/>
             <a:fld id="{89227842-69A9-4D57-8696-571A640FF47C}" type="datetime1">
               <a:rPr lang="en-GB" noProof="0" smtClean="0"/>
-              <a:t>27/04/2025</a:t>
+              <a:t>28/04/2025</a:t>
             </a:fld>
             <a:endParaRPr lang="en-GB" noProof="0"/>
           </a:p>
@@ -6582,7 +7313,7 @@
             <a:pPr rtl="0"/>
             <a:fld id="{B6D4024D-709A-489C-A1E0-404FC4EC40E9}" type="datetime1">
               <a:rPr lang="en-GB" noProof="0" smtClean="0"/>
-              <a:t>27/04/2025</a:t>
+              <a:t>28/04/2025</a:t>
             </a:fld>
             <a:endParaRPr lang="en-GB" noProof="0"/>
           </a:p>
@@ -6875,7 +7606,7 @@
             <a:pPr rtl="0"/>
             <a:fld id="{5FFEA7D9-67F6-4FDA-9663-2C4F43E353A1}" type="datetime1">
               <a:rPr lang="en-GB" noProof="0" smtClean="0"/>
-              <a:t>27/04/2025</a:t>
+              <a:t>28/04/2025</a:t>
             </a:fld>
             <a:endParaRPr lang="en-GB" noProof="0"/>
           </a:p>
@@ -7089,7 +7820,7 @@
             <a:pPr rtl="0"/>
             <a:fld id="{4B4B326D-8F15-4B53-B18E-44A3026066F3}" type="datetime1">
               <a:rPr lang="en-GB" noProof="0" smtClean="0"/>
-              <a:t>27/04/2025</a:t>
+              <a:t>28/04/2025</a:t>
             </a:fld>
             <a:endParaRPr lang="en-GB" noProof="0"/>
           </a:p>
@@ -8953,27 +9684,36 @@
           <a:lstStyle/>
           <a:p>
             <a:r>
-              <a:t>• Android Studio (Java)</a:t>
-            </a:r>
-          </a:p>
-          <a:p>
-            <a:r>
-              <a:t>• Firebase (Auth + Storage)</a:t>
-            </a:r>
-          </a:p>
-          <a:p>
-            <a:r>
-              <a:t>• MPAndroidChart (Trends Graph)</a:t>
-            </a:r>
-          </a:p>
-          <a:p>
-            <a:r>
-              <a:t>• JUnit &amp; Espresso (Testing)</a:t>
-            </a:r>
-          </a:p>
-          <a:p>
-            <a:r>
-              <a:t>• Figma (UI Design)</a:t>
+              <a:rPr lang="en-GB" dirty="0"/>
+              <a:t>Figma (UI Design)</a:t>
+            </a:r>
+          </a:p>
+          <a:p>
+            <a:r>
+              <a:rPr dirty="0"/>
+              <a:t>Android Studio (Java)</a:t>
+            </a:r>
+          </a:p>
+          <a:p>
+            <a:r>
+              <a:rPr dirty="0"/>
+              <a:t>Firebase (Auth + Storage)</a:t>
+            </a:r>
+          </a:p>
+          <a:p>
+            <a:r>
+              <a:rPr dirty="0" err="1"/>
+              <a:t>MPAndroidChart</a:t>
+            </a:r>
+            <a:r>
+              <a:rPr dirty="0"/>
+              <a:t> (Trends Graph)</a:t>
+            </a:r>
+          </a:p>
+          <a:p>
+            <a:r>
+              <a:rPr dirty="0"/>
+              <a:t>JUnit &amp; Espresso (Testing)</a:t>
             </a:r>
           </a:p>
         </p:txBody>
@@ -9073,8 +9813,14 @@
           <a:lstStyle/>
           <a:p>
             <a:r>
-              <a:t>View Trends</a:t>
-            </a:r>
+              <a:rPr lang="en-US" dirty="0" err="1"/>
+              <a:t>MoodLogs</a:t>
+            </a:r>
+            <a:r>
+              <a:rPr lang="en-US" dirty="0"/>
+              <a:t>, Affirmations and Journal</a:t>
+            </a:r>
+            <a:endParaRPr dirty="0"/>
           </a:p>
         </p:txBody>
       </p:sp>
@@ -9107,21 +9853,34 @@
           <a:lstStyle/>
           <a:p>
             <a:r>
-              <a:rPr dirty="0"/>
-              <a:t>Line chart shows mood over time.</a:t>
-            </a:r>
-          </a:p>
-          <a:p>
-            <a:r>
-              <a:rPr dirty="0"/>
-              <a:t>Linear regression for direction.</a:t>
-            </a:r>
-          </a:p>
-          <a:p>
-            <a:r>
-              <a:rPr dirty="0"/>
-              <a:t>Moving average to smooth out noise.</a:t>
-            </a:r>
+              <a:rPr lang="en-US" dirty="0"/>
+              <a:t>Simple UI</a:t>
+            </a:r>
+          </a:p>
+          <a:p>
+            <a:r>
+              <a:rPr lang="en-US" dirty="0"/>
+              <a:t>Easy to submit</a:t>
+            </a:r>
+          </a:p>
+          <a:p>
+            <a:r>
+              <a:rPr lang="en-US" dirty="0"/>
+              <a:t>Available immediately in journal</a:t>
+            </a:r>
+          </a:p>
+          <a:p>
+            <a:r>
+              <a:rPr lang="en-US" dirty="0"/>
+              <a:t>Easy to update</a:t>
+            </a:r>
+          </a:p>
+          <a:p>
+            <a:r>
+              <a:rPr lang="en-US" dirty="0"/>
+              <a:t>People love affirmations</a:t>
+            </a:r>
+            <a:endParaRPr dirty="0"/>
           </a:p>
         </p:txBody>
       </p:sp>
@@ -9142,7 +9901,7 @@
           </p:nvPr>
         </p:nvPicPr>
         <p:blipFill>
-          <a:blip r:embed="rId2"/>
+          <a:blip r:embed="rId3"/>
           <a:stretch>
             <a:fillRect/>
           </a:stretch>
@@ -9169,7 +9928,7 @@
           <p:nvPr/>
         </p:nvPicPr>
         <p:blipFill>
-          <a:blip r:embed="rId3"/>
+          <a:blip r:embed="rId4"/>
           <a:stretch>
             <a:fillRect/>
           </a:stretch>
@@ -9199,7 +9958,7 @@
           <p:nvPr/>
         </p:nvPicPr>
         <p:blipFill>
-          <a:blip r:embed="rId4"/>
+          <a:blip r:embed="rId5"/>
           <a:stretch>
             <a:fillRect/>
           </a:stretch>
@@ -9229,7 +9988,7 @@
           <p:nvPr/>
         </p:nvPicPr>
         <p:blipFill>
-          <a:blip r:embed="rId5"/>
+          <a:blip r:embed="rId6"/>
           <a:stretch>
             <a:fillRect/>
           </a:stretch>
@@ -9309,6 +10068,10 @@
           <a:lstStyle/>
           <a:p>
             <a:r>
+              <a:rPr lang="en-US" dirty="0"/>
+              <a:t>Trends and </a:t>
+            </a:r>
+            <a:r>
               <a:rPr dirty="0"/>
               <a:t>Suggestions</a:t>
             </a:r>
@@ -9342,6 +10105,24 @@
             <a:normAutofit/>
           </a:bodyPr>
           <a:lstStyle/>
+          <a:p>
+            <a:r>
+              <a:rPr lang="en-US" dirty="0"/>
+              <a:t>Line chart shows mood over time.</a:t>
+            </a:r>
+          </a:p>
+          <a:p>
+            <a:r>
+              <a:rPr lang="en-US" dirty="0"/>
+              <a:t>Linear regression for direction.</a:t>
+            </a:r>
+          </a:p>
+          <a:p>
+            <a:r>
+              <a:rPr lang="en-US" dirty="0"/>
+              <a:t>Moving average to smooth out noise.</a:t>
+            </a:r>
+          </a:p>
           <a:p>
             <a:r>
               <a:rPr dirty="0"/>
@@ -9373,7 +10154,7 @@
           </p:nvPr>
         </p:nvPicPr>
         <p:blipFill>
-          <a:blip r:embed="rId2"/>
+          <a:blip r:embed="rId3"/>
           <a:stretch>
             <a:fillRect/>
           </a:stretch>
@@ -9400,7 +10181,7 @@
           <p:nvPr/>
         </p:nvPicPr>
         <p:blipFill>
-          <a:blip r:embed="rId3"/>
+          <a:blip r:embed="rId4"/>
           <a:stretch>
             <a:fillRect/>
           </a:stretch>
@@ -9430,7 +10211,7 @@
           <p:nvPr/>
         </p:nvPicPr>
         <p:blipFill>
-          <a:blip r:embed="rId4"/>
+          <a:blip r:embed="rId5"/>
           <a:stretch>
             <a:fillRect/>
           </a:stretch>
@@ -9460,7 +10241,7 @@
           <p:nvPr/>
         </p:nvPicPr>
         <p:blipFill>
-          <a:blip r:embed="rId5"/>
+          <a:blip r:embed="rId6"/>
           <a:stretch>
             <a:fillRect/>
           </a:stretch>
@@ -9609,7 +10390,7 @@
           </p:nvPr>
         </p:nvPicPr>
         <p:blipFill>
-          <a:blip r:embed="rId2"/>
+          <a:blip r:embed="rId3"/>
           <a:stretch>
             <a:fillRect/>
           </a:stretch>
@@ -9636,7 +10417,7 @@
           <p:nvPr/>
         </p:nvPicPr>
         <p:blipFill>
-          <a:blip r:embed="rId3"/>
+          <a:blip r:embed="rId4"/>
           <a:stretch>
             <a:fillRect/>
           </a:stretch>
@@ -9666,7 +10447,7 @@
           <p:nvPr/>
         </p:nvPicPr>
         <p:blipFill>
-          <a:blip r:embed="rId4"/>
+          <a:blip r:embed="rId5"/>
           <a:stretch>
             <a:fillRect/>
           </a:stretch>
@@ -9809,7 +10590,7 @@
           </p:nvPr>
         </p:nvPicPr>
         <p:blipFill>
-          <a:blip r:embed="rId2"/>
+          <a:blip r:embed="rId3"/>
           <a:stretch>
             <a:fillRect/>
           </a:stretch>
@@ -9836,7 +10617,7 @@
           <p:nvPr/>
         </p:nvPicPr>
         <p:blipFill>
-          <a:blip r:embed="rId3"/>
+          <a:blip r:embed="rId4"/>
           <a:stretch>
             <a:fillRect/>
           </a:stretch>
@@ -9866,7 +10647,7 @@
           <p:nvPr/>
         </p:nvPicPr>
         <p:blipFill>
-          <a:blip r:embed="rId4"/>
+          <a:blip r:embed="rId5"/>
           <a:stretch>
             <a:fillRect/>
           </a:stretch>
@@ -9896,7 +10677,7 @@
           <p:nvPr/>
         </p:nvPicPr>
         <p:blipFill>
-          <a:blip r:embed="rId5"/>
+          <a:blip r:embed="rId6"/>
           <a:stretch>
             <a:fillRect/>
           </a:stretch>
@@ -10026,7 +10807,7 @@
           </p:nvPr>
         </p:nvPicPr>
         <p:blipFill>
-          <a:blip r:embed="rId2"/>
+          <a:blip r:embed="rId3"/>
           <a:stretch>
             <a:fillRect/>
           </a:stretch>
@@ -10053,7 +10834,7 @@
           <p:nvPr/>
         </p:nvPicPr>
         <p:blipFill>
-          <a:blip r:embed="rId3"/>
+          <a:blip r:embed="rId4"/>
           <a:stretch>
             <a:fillRect/>
           </a:stretch>
@@ -10083,7 +10864,7 @@
           <p:nvPr/>
         </p:nvPicPr>
         <p:blipFill>
-          <a:blip r:embed="rId4"/>
+          <a:blip r:embed="rId5"/>
           <a:stretch>
             <a:fillRect/>
           </a:stretch>

--- a/COM6023_Viva.pptx
+++ b/COM6023_Viva.pptx
@@ -5,10 +5,10 @@
     <p:sldMasterId id="2147483672" r:id="rId1"/>
   </p:sldMasterIdLst>
   <p:notesMasterIdLst>
-    <p:notesMasterId r:id="rId13"/>
+    <p:notesMasterId r:id="rId14"/>
   </p:notesMasterIdLst>
   <p:handoutMasterIdLst>
-    <p:handoutMasterId r:id="rId14"/>
+    <p:handoutMasterId r:id="rId15"/>
   </p:handoutMasterIdLst>
   <p:sldIdLst>
     <p:sldId id="256" r:id="rId2"/>
@@ -22,6 +22,7 @@
     <p:sldId id="263" r:id="rId10"/>
     <p:sldId id="264" r:id="rId11"/>
     <p:sldId id="260" r:id="rId12"/>
+    <p:sldId id="269" r:id="rId13"/>
   </p:sldIdLst>
   <p:sldSz cx="12192000" cy="6858000"/>
   <p:notesSz cx="6858000" cy="9144000"/>
@@ -9509,6 +9510,114 @@
 </p:sld>
 </file>
 
+<file path=ppt/slides/slide12.xml><?xml version="1.0" encoding="utf-8"?>
+<p:sld xmlns:a="http://schemas.openxmlformats.org/drawingml/2006/main" xmlns:r="http://schemas.openxmlformats.org/officeDocument/2006/relationships" xmlns:p="http://schemas.openxmlformats.org/presentationml/2006/main">
+  <p:cSld>
+    <p:spTree>
+      <p:nvGrpSpPr>
+        <p:cNvPr id="1" name=""/>
+        <p:cNvGrpSpPr/>
+        <p:nvPr/>
+      </p:nvGrpSpPr>
+      <p:grpSpPr>
+        <a:xfrm>
+          <a:off x="0" y="0"/>
+          <a:ext cx="0" cy="0"/>
+          <a:chOff x="0" y="0"/>
+          <a:chExt cx="0" cy="0"/>
+        </a:xfrm>
+      </p:grpSpPr>
+      <p:sp>
+        <p:nvSpPr>
+          <p:cNvPr id="2" name="Title 1">
+            <a:extLst>
+              <a:ext uri="{FF2B5EF4-FFF2-40B4-BE49-F238E27FC236}">
+                <a16:creationId xmlns:a16="http://schemas.microsoft.com/office/drawing/2014/main" id="{53B429C6-1B62-52A5-E14A-ACB77237DFDB}"/>
+              </a:ext>
+            </a:extLst>
+          </p:cNvPr>
+          <p:cNvSpPr>
+            <a:spLocks noGrp="1"/>
+          </p:cNvSpPr>
+          <p:nvPr>
+            <p:ph type="title"/>
+          </p:nvPr>
+        </p:nvSpPr>
+        <p:spPr/>
+        <p:txBody>
+          <a:bodyPr/>
+          <a:lstStyle/>
+          <a:p>
+            <a:r>
+              <a:rPr lang="en-US" dirty="0"/>
+              <a:t>Links </a:t>
+            </a:r>
+            <a:endParaRPr lang="en-GB" dirty="0"/>
+          </a:p>
+        </p:txBody>
+      </p:sp>
+      <p:sp>
+        <p:nvSpPr>
+          <p:cNvPr id="3" name="Content Placeholder 2">
+            <a:extLst>
+              <a:ext uri="{FF2B5EF4-FFF2-40B4-BE49-F238E27FC236}">
+                <a16:creationId xmlns:a16="http://schemas.microsoft.com/office/drawing/2014/main" id="{4BD24D93-ED03-8A57-F480-544E59475B26}"/>
+              </a:ext>
+            </a:extLst>
+          </p:cNvPr>
+          <p:cNvSpPr>
+            <a:spLocks noGrp="1"/>
+          </p:cNvSpPr>
+          <p:nvPr>
+            <p:ph idx="1"/>
+          </p:nvPr>
+        </p:nvSpPr>
+        <p:spPr/>
+        <p:txBody>
+          <a:bodyPr/>
+          <a:lstStyle/>
+          <a:p>
+            <a:r>
+              <a:rPr lang="en-GB" dirty="0">
+                <a:hlinkClick r:id="rId2"/>
+              </a:rPr>
+              <a:t>https://www.youtube.com/watch?v=qZQdLkRkN7M</a:t>
+            </a:r>
+            <a:endParaRPr lang="en-GB" dirty="0"/>
+          </a:p>
+          <a:p>
+            <a:r>
+              <a:rPr lang="en-GB" dirty="0">
+                <a:hlinkClick r:id="rId3"/>
+              </a:rPr>
+              <a:t>https://github.com/killerBunny8</a:t>
+            </a:r>
+            <a:r>
+              <a:rPr lang="en-GB">
+                <a:hlinkClick r:id="rId3"/>
+              </a:rPr>
+              <a:t>/mentalhealth-project</a:t>
+            </a:r>
+            <a:endParaRPr lang="en-GB"/>
+          </a:p>
+          <a:p>
+            <a:endParaRPr lang="en-GB" dirty="0"/>
+          </a:p>
+        </p:txBody>
+      </p:sp>
+    </p:spTree>
+    <p:extLst>
+      <p:ext uri="{BB962C8B-B14F-4D97-AF65-F5344CB8AC3E}">
+        <p14:creationId xmlns:p14="http://schemas.microsoft.com/office/powerpoint/2010/main" val="3619294661"/>
+      </p:ext>
+    </p:extLst>
+  </p:cSld>
+  <p:clrMapOvr>
+    <a:masterClrMapping/>
+  </p:clrMapOvr>
+</p:sld>
+</file>
+
 <file path=ppt/slides/slide2.xml><?xml version="1.0" encoding="utf-8"?>
 <p:sld xmlns:a="http://schemas.openxmlformats.org/drawingml/2006/main" xmlns:r="http://schemas.openxmlformats.org/officeDocument/2006/relationships" xmlns:p="http://schemas.openxmlformats.org/presentationml/2006/main">
   <p:cSld>
